--- a/pslides/json_data.pptx
+++ b/pslides/json_data.pptx
@@ -267,7 +267,7 @@
           <a:p>
             <a:fld id="{7B9169B0-A344-9A43-AAD5-682508993835}" type="datetimeFigureOut">
               <a:rPr lang="fr-FR" smtClean="0"/>
-              <a:t>27/09/2021</a:t>
+              <a:t>28/09/2021</a:t>
             </a:fld>
             <a:endParaRPr lang="fr-FR"/>
           </a:p>
@@ -465,7 +465,7 @@
           <a:p>
             <a:fld id="{7B9169B0-A344-9A43-AAD5-682508993835}" type="datetimeFigureOut">
               <a:rPr lang="fr-FR" smtClean="0"/>
-              <a:t>27/09/2021</a:t>
+              <a:t>28/09/2021</a:t>
             </a:fld>
             <a:endParaRPr lang="fr-FR"/>
           </a:p>
@@ -673,7 +673,7 @@
           <a:p>
             <a:fld id="{7B9169B0-A344-9A43-AAD5-682508993835}" type="datetimeFigureOut">
               <a:rPr lang="fr-FR" smtClean="0"/>
-              <a:t>27/09/2021</a:t>
+              <a:t>28/09/2021</a:t>
             </a:fld>
             <a:endParaRPr lang="fr-FR"/>
           </a:p>
@@ -871,7 +871,7 @@
           <a:p>
             <a:fld id="{7B9169B0-A344-9A43-AAD5-682508993835}" type="datetimeFigureOut">
               <a:rPr lang="fr-FR" smtClean="0"/>
-              <a:t>27/09/2021</a:t>
+              <a:t>28/09/2021</a:t>
             </a:fld>
             <a:endParaRPr lang="fr-FR"/>
           </a:p>
@@ -1146,7 +1146,7 @@
           <a:p>
             <a:fld id="{7B9169B0-A344-9A43-AAD5-682508993835}" type="datetimeFigureOut">
               <a:rPr lang="fr-FR" smtClean="0"/>
-              <a:t>27/09/2021</a:t>
+              <a:t>28/09/2021</a:t>
             </a:fld>
             <a:endParaRPr lang="fr-FR"/>
           </a:p>
@@ -1411,7 +1411,7 @@
           <a:p>
             <a:fld id="{7B9169B0-A344-9A43-AAD5-682508993835}" type="datetimeFigureOut">
               <a:rPr lang="fr-FR" smtClean="0"/>
-              <a:t>27/09/2021</a:t>
+              <a:t>28/09/2021</a:t>
             </a:fld>
             <a:endParaRPr lang="fr-FR"/>
           </a:p>
@@ -1823,7 +1823,7 @@
           <a:p>
             <a:fld id="{7B9169B0-A344-9A43-AAD5-682508993835}" type="datetimeFigureOut">
               <a:rPr lang="fr-FR" smtClean="0"/>
-              <a:t>27/09/2021</a:t>
+              <a:t>28/09/2021</a:t>
             </a:fld>
             <a:endParaRPr lang="fr-FR"/>
           </a:p>
@@ -1964,7 +1964,7 @@
           <a:p>
             <a:fld id="{7B9169B0-A344-9A43-AAD5-682508993835}" type="datetimeFigureOut">
               <a:rPr lang="fr-FR" smtClean="0"/>
-              <a:t>27/09/2021</a:t>
+              <a:t>28/09/2021</a:t>
             </a:fld>
             <a:endParaRPr lang="fr-FR"/>
           </a:p>
@@ -2077,7 +2077,7 @@
           <a:p>
             <a:fld id="{7B9169B0-A344-9A43-AAD5-682508993835}" type="datetimeFigureOut">
               <a:rPr lang="fr-FR" smtClean="0"/>
-              <a:t>27/09/2021</a:t>
+              <a:t>28/09/2021</a:t>
             </a:fld>
             <a:endParaRPr lang="fr-FR"/>
           </a:p>
@@ -2388,7 +2388,7 @@
           <a:p>
             <a:fld id="{7B9169B0-A344-9A43-AAD5-682508993835}" type="datetimeFigureOut">
               <a:rPr lang="fr-FR" smtClean="0"/>
-              <a:t>27/09/2021</a:t>
+              <a:t>28/09/2021</a:t>
             </a:fld>
             <a:endParaRPr lang="fr-FR"/>
           </a:p>
@@ -2676,7 +2676,7 @@
           <a:p>
             <a:fld id="{7B9169B0-A344-9A43-AAD5-682508993835}" type="datetimeFigureOut">
               <a:rPr lang="fr-FR" smtClean="0"/>
-              <a:t>27/09/2021</a:t>
+              <a:t>28/09/2021</a:t>
             </a:fld>
             <a:endParaRPr lang="fr-FR"/>
           </a:p>
@@ -2917,7 +2917,7 @@
           <a:p>
             <a:fld id="{7B9169B0-A344-9A43-AAD5-682508993835}" type="datetimeFigureOut">
               <a:rPr lang="fr-FR" smtClean="0"/>
-              <a:t>27/09/2021</a:t>
+              <a:t>28/09/2021</a:t>
             </a:fld>
             <a:endParaRPr lang="fr-FR"/>
           </a:p>
@@ -3718,7 +3718,7 @@
             </a:r>
             <a:r>
               <a:rPr lang="fr-FR" sz="2400" noProof="1"/>
-              <a:t>a string in a standardized encoding (UTF-8)</a:t>
+              <a:t>a string (UTF-8 encoding)</a:t>
             </a:r>
             <a:endParaRPr lang="fr-FR" sz="2400" b="1" noProof="1"/>
           </a:p>
@@ -7482,7 +7482,7 @@
                 <a:ea typeface="Menlo" panose="020B0609030804020204" pitchFamily="49" charset="0"/>
                 <a:cs typeface="Menlo" panose="020B0609030804020204" pitchFamily="49" charset="0"/>
               </a:rPr>
-              <a:t>map_chr(obj$phoneNumbers, ~ ..1$type)</a:t>
+              <a:t>map_chr(obj$phoneNumbers, ~ .x$type)</a:t>
             </a:r>
           </a:p>
           <a:p>
@@ -8111,7 +8111,7 @@
                 <a:ea typeface="Menlo" panose="020B0609030804020204" pitchFamily="49" charset="0"/>
                 <a:cs typeface="Menlo" panose="020B0609030804020204" pitchFamily="49" charset="0"/>
               </a:rPr>
-              <a:t>  type = map_chr(obj$phoneNumbers, ~ ..1$type),</a:t>
+              <a:t>  type = map_chr(obj$phoneNumbers, ~ .x$type),</a:t>
             </a:r>
           </a:p>
           <a:p>
@@ -8126,7 +8126,7 @@
                 <a:ea typeface="Menlo" panose="020B0609030804020204" pitchFamily="49" charset="0"/>
                 <a:cs typeface="Menlo" panose="020B0609030804020204" pitchFamily="49" charset="0"/>
               </a:rPr>
-              <a:t>  num = map_chr(obj$phoneNumbers, ~ ..1$number)</a:t>
+              <a:t>  num = map_chr(obj$phoneNumbers, ~ .y$number)</a:t>
             </a:r>
           </a:p>
           <a:p>
